--- a/PPT/12.13일 발표_박범찬.pptx
+++ b/PPT/12.13일 발표_박범찬.pptx
@@ -200,7 +200,7 @@
           <a:p>
             <a:fld id="{0E2712CF-ED42-4043-9E7E-4FF86D8E6FEA}" type="datetimeFigureOut">
               <a:rPr kumimoji="1" lang="ko-KR" altLang="en-US" smtClean="0"/>
-              <a:t>2024. 3. 21.</a:t>
+              <a:t>2024. 6. 5.</a:t>
             </a:fld>
             <a:endParaRPr kumimoji="1" lang="ko-KR" altLang="en-US"/>
           </a:p>
@@ -866,7 +866,7 @@
           <a:p>
             <a:fld id="{8D641367-2072-B44D-89AC-487631A76DFE}" type="datetime1">
               <a:rPr kumimoji="1" lang="ko-KR" altLang="en-US" smtClean="0"/>
-              <a:t>2024. 3. 21.</a:t>
+              <a:t>2024. 6. 5.</a:t>
             </a:fld>
             <a:endParaRPr kumimoji="1" lang="ko-KR" altLang="en-US"/>
           </a:p>
@@ -1064,7 +1064,7 @@
           <a:p>
             <a:fld id="{67FFD920-A942-2640-A59F-3EA9AD3F647A}" type="datetime1">
               <a:rPr kumimoji="1" lang="ko-KR" altLang="en-US" smtClean="0"/>
-              <a:t>2024. 3. 21.</a:t>
+              <a:t>2024. 6. 5.</a:t>
             </a:fld>
             <a:endParaRPr kumimoji="1" lang="ko-KR" altLang="en-US"/>
           </a:p>
@@ -1272,7 +1272,7 @@
           <a:p>
             <a:fld id="{4D402924-9E9F-5744-896A-C287902A9955}" type="datetime1">
               <a:rPr kumimoji="1" lang="ko-KR" altLang="en-US" smtClean="0"/>
-              <a:t>2024. 3. 21.</a:t>
+              <a:t>2024. 6. 5.</a:t>
             </a:fld>
             <a:endParaRPr kumimoji="1" lang="ko-KR" altLang="en-US"/>
           </a:p>
@@ -1470,7 +1470,7 @@
           <a:p>
             <a:fld id="{D96768C8-F6FC-924E-BAFB-708E23A59388}" type="datetime1">
               <a:rPr kumimoji="1" lang="ko-KR" altLang="en-US" smtClean="0"/>
-              <a:t>2024. 3. 21.</a:t>
+              <a:t>2024. 6. 5.</a:t>
             </a:fld>
             <a:endParaRPr kumimoji="1" lang="ko-KR" altLang="en-US"/>
           </a:p>
@@ -1745,7 +1745,7 @@
           <a:p>
             <a:fld id="{37304A9C-A5BB-454D-8898-ABB1B6D11EC7}" type="datetime1">
               <a:rPr kumimoji="1" lang="ko-KR" altLang="en-US" smtClean="0"/>
-              <a:t>2024. 3. 21.</a:t>
+              <a:t>2024. 6. 5.</a:t>
             </a:fld>
             <a:endParaRPr kumimoji="1" lang="ko-KR" altLang="en-US"/>
           </a:p>
@@ -2010,7 +2010,7 @@
           <a:p>
             <a:fld id="{36CF04B2-8F08-E14B-BACB-A15F41DB3B35}" type="datetime1">
               <a:rPr kumimoji="1" lang="ko-KR" altLang="en-US" smtClean="0"/>
-              <a:t>2024. 3. 21.</a:t>
+              <a:t>2024. 6. 5.</a:t>
             </a:fld>
             <a:endParaRPr kumimoji="1" lang="ko-KR" altLang="en-US"/>
           </a:p>
@@ -2422,7 +2422,7 @@
           <a:p>
             <a:fld id="{A50C96F4-B36E-EA4A-A25A-603DD7065094}" type="datetime1">
               <a:rPr kumimoji="1" lang="ko-KR" altLang="en-US" smtClean="0"/>
-              <a:t>2024. 3. 21.</a:t>
+              <a:t>2024. 6. 5.</a:t>
             </a:fld>
             <a:endParaRPr kumimoji="1" lang="ko-KR" altLang="en-US"/>
           </a:p>
@@ -2563,7 +2563,7 @@
           <a:p>
             <a:fld id="{4F2424E7-65CE-E04C-8AD7-C852450E2E85}" type="datetime1">
               <a:rPr kumimoji="1" lang="ko-KR" altLang="en-US" smtClean="0"/>
-              <a:t>2024. 3. 21.</a:t>
+              <a:t>2024. 6. 5.</a:t>
             </a:fld>
             <a:endParaRPr kumimoji="1" lang="ko-KR" altLang="en-US"/>
           </a:p>
@@ -2676,7 +2676,7 @@
           <a:p>
             <a:fld id="{BCFC8656-9D53-7442-9B41-693E9272629E}" type="datetime1">
               <a:rPr kumimoji="1" lang="ko-KR" altLang="en-US" smtClean="0"/>
-              <a:t>2024. 3. 21.</a:t>
+              <a:t>2024. 6. 5.</a:t>
             </a:fld>
             <a:endParaRPr kumimoji="1" lang="ko-KR" altLang="en-US"/>
           </a:p>
@@ -2987,7 +2987,7 @@
           <a:p>
             <a:fld id="{BDE48260-46E4-CB44-869E-E19E6AF9B927}" type="datetime1">
               <a:rPr kumimoji="1" lang="ko-KR" altLang="en-US" smtClean="0"/>
-              <a:t>2024. 3. 21.</a:t>
+              <a:t>2024. 6. 5.</a:t>
             </a:fld>
             <a:endParaRPr kumimoji="1" lang="ko-KR" altLang="en-US"/>
           </a:p>
@@ -3275,7 +3275,7 @@
           <a:p>
             <a:fld id="{59570F0E-6500-CC49-9E5E-ED3F1CC78B57}" type="datetime1">
               <a:rPr kumimoji="1" lang="ko-KR" altLang="en-US" smtClean="0"/>
-              <a:t>2024. 3. 21.</a:t>
+              <a:t>2024. 6. 5.</a:t>
             </a:fld>
             <a:endParaRPr kumimoji="1" lang="ko-KR" altLang="en-US"/>
           </a:p>
@@ -3516,7 +3516,7 @@
           <a:p>
             <a:fld id="{72B2B065-34EE-B447-A1F2-9B35000C09E4}" type="datetime1">
               <a:rPr kumimoji="1" lang="ko-KR" altLang="en-US" smtClean="0"/>
-              <a:t>2024. 3. 21.</a:t>
+              <a:t>2024. 6. 5.</a:t>
             </a:fld>
             <a:endParaRPr kumimoji="1" lang="ko-KR" altLang="en-US"/>
           </a:p>
@@ -4030,9 +4030,12 @@
             </a:pPr>
             <a:r>
               <a:rPr lang="ko-KR" altLang="en-US" sz="4000" b="1" spc="-300" dirty="0"/>
-              <a:t>인공지능 및 파이썬 스터디</a:t>
-            </a:r>
-            <a:endParaRPr lang="en-US" altLang="ko-KR" sz="4000" b="1" spc="-300" dirty="0"/>
+              <a:t>쇼팽의 연습곡 </a:t>
+            </a:r>
+            <a:r>
+              <a:rPr lang="en-US" altLang="ko-KR" sz="4000" b="1" spc="-300" dirty="0"/>
+              <a:t>Op.10 No.5</a:t>
+            </a:r>
           </a:p>
         </p:txBody>
       </p:sp>
@@ -4059,11 +4062,19 @@
           <a:p>
             <a:r>
               <a:rPr lang="en-US" altLang="ko-KR" sz="2000" b="1" dirty="0"/>
-              <a:t>2024.03.21 (</a:t>
+              <a:t>2024.06.13</a:t>
             </a:r>
             <a:r>
               <a:rPr lang="ko-KR" altLang="en-US" sz="2000" b="1" dirty="0"/>
-              <a:t>수</a:t>
+              <a:t> </a:t>
+            </a:r>
+            <a:r>
+              <a:rPr lang="en-US" altLang="ko-KR" sz="2000" b="1" dirty="0"/>
+              <a:t>(</a:t>
+            </a:r>
+            <a:r>
+              <a:rPr lang="ko-KR" altLang="en-US" sz="2000" b="1" dirty="0"/>
+              <a:t>목</a:t>
             </a:r>
             <a:r>
               <a:rPr lang="en-US" altLang="ko-KR" sz="2000" b="1" dirty="0"/>
@@ -4097,30 +4108,17 @@
               <a:t>박범찬</a:t>
             </a:r>
             <a:r>
+              <a:rPr lang="ko-KR" altLang="en-US" sz="2000" b="1" dirty="0">
+                <a:effectLst/>
+              </a:rPr>
+              <a:t> </a:t>
+            </a:r>
+            <a:r>
               <a:rPr lang="en-US" altLang="ko-KR" sz="2000" b="1" dirty="0">
                 <a:effectLst/>
               </a:rPr>
-              <a:t>(</a:t>
-            </a:r>
-            <a:r>
-              <a:rPr lang="en-US" altLang="ko-KR" sz="2000" b="1" dirty="0"/>
-              <a:t>Bumchan Park),</a:t>
-            </a:r>
-            <a:r>
-              <a:rPr lang="ko-KR" altLang="en-US" sz="2000" b="1" dirty="0"/>
-              <a:t> </a:t>
-            </a:r>
-            <a:r>
-              <a:rPr lang="ko-KR" altLang="en-US" sz="2000" b="1" dirty="0" err="1"/>
-              <a:t>변진모</a:t>
-            </a:r>
-            <a:r>
-              <a:rPr lang="en-US" altLang="ko-KR" sz="2000" b="1" dirty="0"/>
-              <a:t>(Bye</a:t>
-            </a:r>
-            <a:endParaRPr lang="en-US" altLang="ko-KR" sz="2000" b="1" dirty="0">
-              <a:effectLst/>
-            </a:endParaRPr>
+              <a:t>(201904010)</a:t>
+            </a:r>
           </a:p>
         </p:txBody>
       </p:sp>
@@ -4182,7 +4180,7 @@
         <p:spPr>
           <a:xfrm>
             <a:off x="1370974" y="3021913"/>
-            <a:ext cx="9802392" cy="630942"/>
+            <a:ext cx="9802392" cy="646331"/>
           </a:xfrm>
           <a:prstGeom prst="rect">
             <a:avLst/>
@@ -4200,7 +4198,7 @@
             </a:pPr>
             <a:r>
               <a:rPr lang="en-US" altLang="ko-KR" sz="3500" b="1" spc="-300" dirty="0"/>
-              <a:t>AI &amp; Python Group Study</a:t>
+              <a:t>F. Chopin Etude Op.10 No. 5</a:t>
             </a:r>
           </a:p>
         </p:txBody>
@@ -4255,7 +4253,7 @@
     <mc:Choice Requires="p14">
       <p:transition/>
     </mc:Choice>
-    <mc:Fallback xmlns:dsp="http://schemas.microsoft.com/office/drawing/2008/diagram" xmlns:dgm="http://schemas.openxmlformats.org/drawingml/2006/diagram" xmlns:c="http://schemas.openxmlformats.org/drawingml/2006/chart" xmlns="">
+    <mc:Fallback xmlns="" xmlns:c="http://schemas.openxmlformats.org/drawingml/2006/chart" xmlns:dgm="http://schemas.openxmlformats.org/drawingml/2006/diagram" xmlns:dsp="http://schemas.microsoft.com/office/drawing/2008/diagram">
       <p:transition/>
     </mc:Fallback>
   </mc:AlternateContent>
@@ -4288,7 +4286,7 @@
         <p:spPr>
           <a:xfrm>
             <a:off x="144378" y="216540"/>
-            <a:ext cx="7012432" cy="553998"/>
+            <a:ext cx="5911105" cy="553998"/>
           </a:xfrm>
           <a:prstGeom prst="rect">
             <a:avLst/>
@@ -4301,42 +4299,63 @@
           </a:bodyPr>
           <a:lstStyle/>
           <a:p>
-            <a:pPr>
-              <a:defRPr/>
-            </a:pPr>
-            <a:r>
-              <a:rPr lang="ko-KR" altLang="en-US" sz="3000" b="1" spc="-300" dirty="0">
+            <a:r>
+              <a:rPr kumimoji="1" lang="ko-KR" altLang="en-US" sz="3000" b="1" dirty="0" err="1">
                 <a:solidFill>
                   <a:schemeClr val="accent6"/>
                 </a:solidFill>
-              </a:rPr>
-              <a:t>인공지능이란</a:t>
-            </a:r>
-            <a:r>
-              <a:rPr lang="en-US" altLang="ko-KR" sz="3000" b="1" spc="-300" dirty="0">
+                <a:latin typeface="Malgun Gothic" panose="020B0503020000020004" pitchFamily="34" charset="-127"/>
+                <a:ea typeface="Malgun Gothic" panose="020B0503020000020004" pitchFamily="34" charset="-127"/>
+              </a:rPr>
+              <a:t>프레데리크</a:t>
+            </a:r>
+            <a:r>
+              <a:rPr kumimoji="1" lang="ko-KR" altLang="en-US" sz="3000" b="1" dirty="0">
                 <a:solidFill>
                   <a:schemeClr val="accent6"/>
                 </a:solidFill>
+                <a:latin typeface="Malgun Gothic" panose="020B0503020000020004" pitchFamily="34" charset="-127"/>
+                <a:ea typeface="Malgun Gothic" panose="020B0503020000020004" pitchFamily="34" charset="-127"/>
+              </a:rPr>
+              <a:t> 쇼팽 </a:t>
+            </a:r>
+            <a:r>
+              <a:rPr kumimoji="1" lang="en-US" altLang="ko-KR" sz="3000" b="1" dirty="0">
+                <a:solidFill>
+                  <a:schemeClr val="accent6"/>
+                </a:solidFill>
+                <a:latin typeface="Malgun Gothic" panose="020B0503020000020004" pitchFamily="34" charset="-127"/>
+                <a:ea typeface="Malgun Gothic" panose="020B0503020000020004" pitchFamily="34" charset="-127"/>
               </a:rPr>
               <a:t>(</a:t>
             </a:r>
             <a:r>
-              <a:rPr lang="en" altLang="ko-KR" sz="3000" b="1" dirty="0">
+              <a:rPr lang="en" altLang="ko-KR" sz="3000" b="1" i="0" u="none" strike="noStrike" dirty="0">
                 <a:solidFill>
                   <a:schemeClr val="accent6"/>
                 </a:solidFill>
                 <a:effectLst/>
-              </a:rPr>
-              <a:t>Artificial Intelligence, AI</a:t>
-            </a:r>
-            <a:r>
-              <a:rPr lang="en-US" altLang="ko-KR" sz="3000" b="1" spc="-300" dirty="0">
+                <a:latin typeface="Pretendard JP"/>
+              </a:rPr>
+              <a:t>Frédéric Chopin</a:t>
+            </a:r>
+            <a:r>
+              <a:rPr lang="en-US" altLang="ko-KR" sz="3000" b="1" i="0" u="none" strike="noStrike" dirty="0">
                 <a:solidFill>
                   <a:schemeClr val="accent6"/>
                 </a:solidFill>
-              </a:rPr>
-              <a:t>)?</a:t>
-            </a:r>
+                <a:effectLst/>
+                <a:latin typeface="Pretendard JP"/>
+              </a:rPr>
+              <a:t>)</a:t>
+            </a:r>
+            <a:endParaRPr kumimoji="1" lang="en-US" altLang="ko-KR" sz="3000" b="1" dirty="0">
+              <a:solidFill>
+                <a:schemeClr val="accent6"/>
+              </a:solidFill>
+              <a:latin typeface="Malgun Gothic" panose="020B0503020000020004" pitchFamily="34" charset="-127"/>
+              <a:ea typeface="Malgun Gothic" panose="020B0503020000020004" pitchFamily="34" charset="-127"/>
+            </a:endParaRPr>
           </a:p>
         </p:txBody>
       </p:sp>
@@ -4479,7 +4498,7 @@
           <a:p>
             <a:r>
               <a:rPr kumimoji="1" lang="en-US" altLang="ko-KR" dirty="0"/>
-              <a:t>13</a:t>
+              <a:t>1</a:t>
             </a:r>
             <a:endParaRPr kumimoji="1" lang="ko-KR" altLang="en-US" dirty="0"/>
           </a:p>
@@ -4487,10 +4506,10 @@
       </p:sp>
       <p:sp>
         <p:nvSpPr>
-          <p:cNvPr id="6" name="TextBox 5">
-            <a:extLst>
-              <a:ext uri="{FF2B5EF4-FFF2-40B4-BE49-F238E27FC236}">
-                <a16:creationId xmlns:a16="http://schemas.microsoft.com/office/drawing/2014/main" id="{ECF1CEB0-7E4A-813C-628F-A1EEEF177A4A}"/>
+          <p:cNvPr id="3" name="TextBox 2">
+            <a:extLst>
+              <a:ext uri="{FF2B5EF4-FFF2-40B4-BE49-F238E27FC236}">
+                <a16:creationId xmlns:a16="http://schemas.microsoft.com/office/drawing/2014/main" id="{CE080FE8-260C-F37F-3B8F-D2451956642B}"/>
               </a:ext>
             </a:extLst>
           </p:cNvPr>
@@ -4499,8 +4518,8 @@
         </p:nvSpPr>
         <p:spPr>
           <a:xfrm>
-            <a:off x="2596643" y="1359799"/>
-            <a:ext cx="6998711" cy="3139321"/>
+            <a:off x="4459128" y="1637597"/>
+            <a:ext cx="7566623" cy="4247317"/>
           </a:xfrm>
           <a:prstGeom prst="rect">
             <a:avLst/>
@@ -4508,278 +4527,294 @@
           <a:noFill/>
         </p:spPr>
         <p:txBody>
-          <a:bodyPr wrap="none" rtlCol="0">
+          <a:bodyPr wrap="square" rtlCol="0">
             <a:spAutoFit/>
           </a:bodyPr>
           <a:lstStyle/>
           <a:p>
             <a:r>
-              <a:rPr lang="en-US" altLang="ko-KR" sz="1800" dirty="0">
-                <a:solidFill>
-                  <a:srgbClr val="993300"/>
-                </a:solidFill>
+              <a:rPr lang="ko-KR" altLang="en-US" sz="1800" b="1" u="none" strike="noStrike" dirty="0">
                 <a:effectLst/>
-              </a:rPr>
-              <a:t>• </a:t>
-            </a:r>
-            <a:r>
-              <a:rPr lang="ko-KR" altLang="en-US" sz="1800" dirty="0">
+                <a:latin typeface="Malgun Gothic" panose="020B0503020000020004" pitchFamily="34" charset="-127"/>
+                <a:ea typeface="Malgun Gothic" panose="020B0503020000020004" pitchFamily="34" charset="-127"/>
+              </a:rPr>
+              <a:t>피아노의 시인으로 불리는</a:t>
+            </a:r>
+            <a:br>
+              <a:rPr lang="en-US" altLang="ko-KR" sz="1800" b="1" u="none" strike="noStrike" dirty="0">
                 <a:effectLst/>
-              </a:rPr>
-              <a:t>컴퓨터를 사용하여 </a:t>
-            </a:r>
-            <a:r>
+                <a:latin typeface="Malgun Gothic" panose="020B0503020000020004" pitchFamily="34" charset="-127"/>
+                <a:ea typeface="Malgun Gothic" panose="020B0503020000020004" pitchFamily="34" charset="-127"/>
+              </a:rPr>
+            </a:br>
+            <a:r>
+              <a:rPr lang="ko-KR" altLang="en-US" sz="1800" b="1" u="none" strike="noStrike" dirty="0">
+                <a:effectLst/>
+                <a:latin typeface="Malgun Gothic" panose="020B0503020000020004" pitchFamily="34" charset="-127"/>
+                <a:ea typeface="Malgun Gothic" panose="020B0503020000020004" pitchFamily="34" charset="-127"/>
+              </a:rPr>
+              <a:t>폴란드의 작곡가</a:t>
+            </a:r>
+            <a:r>
+              <a:rPr lang="en-US" altLang="ko-KR" sz="1800" b="1" u="none" strike="noStrike" dirty="0">
+                <a:effectLst/>
+                <a:latin typeface="Malgun Gothic" panose="020B0503020000020004" pitchFamily="34" charset="-127"/>
+                <a:ea typeface="Malgun Gothic" panose="020B0503020000020004" pitchFamily="34" charset="-127"/>
+              </a:rPr>
+              <a:t>,</a:t>
+            </a:r>
+            <a:r>
+              <a:rPr lang="ko-KR" altLang="en-US" sz="1800" b="1" u="none" strike="noStrike" dirty="0">
+                <a:effectLst/>
+                <a:latin typeface="Malgun Gothic" panose="020B0503020000020004" pitchFamily="34" charset="-127"/>
+                <a:ea typeface="Malgun Gothic" panose="020B0503020000020004" pitchFamily="34" charset="-127"/>
+              </a:rPr>
+              <a:t> 피아니스트이자 독립운동가</a:t>
+            </a:r>
+            <a:endParaRPr lang="en-US" altLang="ko-KR" sz="1800" b="1" u="none" strike="noStrike" dirty="0">
+              <a:effectLst/>
+              <a:latin typeface="Malgun Gothic" panose="020B0503020000020004" pitchFamily="34" charset="-127"/>
+              <a:ea typeface="Malgun Gothic" panose="020B0503020000020004" pitchFamily="34" charset="-127"/>
+            </a:endParaRPr>
+          </a:p>
+          <a:p>
+            <a:br>
               <a:rPr lang="ko-KR" altLang="en-US" sz="1800" b="1" dirty="0">
-                <a:solidFill>
-                  <a:srgbClr val="FF0000"/>
-                </a:solidFill>
+                <a:latin typeface="Malgun Gothic" panose="020B0503020000020004" pitchFamily="34" charset="-127"/>
+                <a:ea typeface="Malgun Gothic" panose="020B0503020000020004" pitchFamily="34" charset="-127"/>
+              </a:rPr>
+            </a:br>
+            <a:br>
+              <a:rPr lang="ko-KR" altLang="en-US" sz="1800" b="1" dirty="0">
+                <a:latin typeface="Malgun Gothic" panose="020B0503020000020004" pitchFamily="34" charset="-127"/>
+                <a:ea typeface="Malgun Gothic" panose="020B0503020000020004" pitchFamily="34" charset="-127"/>
+              </a:rPr>
+            </a:br>
+            <a:r>
+              <a:rPr lang="ko-KR" altLang="en-US" sz="1800" b="1" u="none" strike="noStrike" dirty="0">
                 <a:effectLst/>
-              </a:rPr>
-              <a:t>인간의 지능을 모델링하는 기술</a:t>
-            </a:r>
-            <a:endParaRPr lang="en-US" altLang="ko-KR" sz="1800" b="1" dirty="0">
-              <a:solidFill>
-                <a:srgbClr val="FF0000"/>
-              </a:solidFill>
+                <a:latin typeface="Malgun Gothic" panose="020B0503020000020004" pitchFamily="34" charset="-127"/>
+                <a:ea typeface="Malgun Gothic" panose="020B0503020000020004" pitchFamily="34" charset="-127"/>
+              </a:rPr>
+              <a:t>낭만주의 클래식 음악사</a:t>
+            </a:r>
+            <a:r>
+              <a:rPr lang="en-US" altLang="ko-KR" sz="1800" b="1" u="none" strike="noStrike" dirty="0">
+                <a:effectLst/>
+                <a:latin typeface="Malgun Gothic" panose="020B0503020000020004" pitchFamily="34" charset="-127"/>
+                <a:ea typeface="Malgun Gothic" panose="020B0503020000020004" pitchFamily="34" charset="-127"/>
+              </a:rPr>
+              <a:t>, </a:t>
+            </a:r>
+            <a:r>
+              <a:rPr lang="ko-KR" altLang="en-US" sz="1800" b="1" u="none" strike="noStrike" dirty="0">
+                <a:effectLst/>
+                <a:latin typeface="Malgun Gothic" panose="020B0503020000020004" pitchFamily="34" charset="-127"/>
+                <a:ea typeface="Malgun Gothic" panose="020B0503020000020004" pitchFamily="34" charset="-127"/>
+              </a:rPr>
+              <a:t>특히 피아노계에서 프란츠 리스트와 함께</a:t>
+            </a:r>
+            <a:endParaRPr lang="en-US" altLang="ko-KR" sz="1800" b="1" u="none" strike="noStrike" dirty="0">
               <a:effectLst/>
+              <a:latin typeface="Malgun Gothic" panose="020B0503020000020004" pitchFamily="34" charset="-127"/>
+              <a:ea typeface="Malgun Gothic" panose="020B0503020000020004" pitchFamily="34" charset="-127"/>
             </a:endParaRPr>
           </a:p>
           <a:p>
+            <a:r>
+              <a:rPr lang="ko-KR" altLang="en-US" sz="1800" b="1" u="none" strike="noStrike" dirty="0">
+                <a:effectLst/>
+                <a:latin typeface="Malgun Gothic" panose="020B0503020000020004" pitchFamily="34" charset="-127"/>
+                <a:ea typeface="Malgun Gothic" panose="020B0503020000020004" pitchFamily="34" charset="-127"/>
+              </a:rPr>
+              <a:t>최고의 업적을 이룩한 작곡가이다</a:t>
+            </a:r>
+            <a:r>
+              <a:rPr lang="en-US" altLang="ko-KR" sz="1800" b="1" u="none" strike="noStrike" dirty="0">
+                <a:effectLst/>
+                <a:latin typeface="Malgun Gothic" panose="020B0503020000020004" pitchFamily="34" charset="-127"/>
+                <a:ea typeface="Malgun Gothic" panose="020B0503020000020004" pitchFamily="34" charset="-127"/>
+              </a:rPr>
+              <a:t>.</a:t>
+            </a:r>
+          </a:p>
+          <a:p>
             <a:br>
-              <a:rPr lang="ko-KR" altLang="en-US" sz="1800" dirty="0">
+              <a:rPr lang="en-US" altLang="ko-KR" sz="1800" b="1" u="none" strike="noStrike" dirty="0">
                 <a:effectLst/>
+                <a:latin typeface="Malgun Gothic" panose="020B0503020000020004" pitchFamily="34" charset="-127"/>
+                <a:ea typeface="Malgun Gothic" panose="020B0503020000020004" pitchFamily="34" charset="-127"/>
               </a:rPr>
             </a:br>
-            <a:r>
-              <a:rPr lang="en-US" altLang="ko-KR" sz="1800" dirty="0">
-                <a:solidFill>
-                  <a:srgbClr val="993300"/>
-                </a:solidFill>
+            <a:br>
+              <a:rPr lang="en-US" altLang="ko-KR" sz="1800" b="1" u="none" strike="noStrike" dirty="0">
                 <a:effectLst/>
-              </a:rPr>
-              <a:t>• </a:t>
-            </a:r>
-            <a:r>
-              <a:rPr lang="ko-KR" altLang="en-US" sz="1800" dirty="0">
+                <a:latin typeface="Malgun Gothic" panose="020B0503020000020004" pitchFamily="34" charset="-127"/>
+                <a:ea typeface="Malgun Gothic" panose="020B0503020000020004" pitchFamily="34" charset="-127"/>
+              </a:rPr>
+            </a:br>
+            <a:r>
+              <a:rPr lang="ko-KR" altLang="en-US" sz="1800" b="1" u="none" strike="noStrike" dirty="0">
                 <a:effectLst/>
-              </a:rPr>
-              <a:t>인간과 같이 인식</a:t>
-            </a:r>
-            <a:r>
-              <a:rPr lang="en-US" altLang="ko-KR" sz="1800" dirty="0">
+                <a:latin typeface="Malgun Gothic" panose="020B0503020000020004" pitchFamily="34" charset="-127"/>
+                <a:ea typeface="Malgun Gothic" panose="020B0503020000020004" pitchFamily="34" charset="-127"/>
+              </a:rPr>
+              <a:t>폴란드인이 자부심을 갖고 존경하는 폴란드 최고의 위인 중 한 명이다</a:t>
+            </a:r>
+            <a:endParaRPr lang="en-US" altLang="ko-KR" b="1" dirty="0">
+              <a:latin typeface="Malgun Gothic" panose="020B0503020000020004" pitchFamily="34" charset="-127"/>
+              <a:ea typeface="Malgun Gothic" panose="020B0503020000020004" pitchFamily="34" charset="-127"/>
+            </a:endParaRPr>
+          </a:p>
+          <a:p>
+            <a:r>
+              <a:rPr lang="ko-KR" altLang="en-US" sz="1800" b="1" u="none" strike="noStrike" dirty="0">
                 <a:effectLst/>
-              </a:rPr>
-              <a:t>, </a:t>
-            </a:r>
-            <a:r>
-              <a:rPr lang="ko-KR" altLang="en-US" sz="1800" dirty="0">
+                <a:latin typeface="Malgun Gothic" panose="020B0503020000020004" pitchFamily="34" charset="-127"/>
+                <a:ea typeface="Malgun Gothic" panose="020B0503020000020004" pitchFamily="34" charset="-127"/>
+              </a:rPr>
+              <a:t>폴란드의 관문 바르샤바 </a:t>
+            </a:r>
+            <a:r>
+              <a:rPr lang="ko-KR" altLang="en-US" sz="1800" b="1" dirty="0">
+                <a:latin typeface="Malgun Gothic" panose="020B0503020000020004" pitchFamily="34" charset="-127"/>
+                <a:ea typeface="Malgun Gothic" panose="020B0503020000020004" pitchFamily="34" charset="-127"/>
+              </a:rPr>
+              <a:t>공항</a:t>
+            </a:r>
+            <a:r>
+              <a:rPr lang="ko-KR" altLang="en-US" sz="1800" b="1" u="none" strike="noStrike" dirty="0">
                 <a:effectLst/>
-              </a:rPr>
-              <a:t>사고</a:t>
-            </a:r>
-            <a:r>
-              <a:rPr lang="en-US" altLang="ko-KR" sz="1800" dirty="0">
+                <a:latin typeface="Malgun Gothic" panose="020B0503020000020004" pitchFamily="34" charset="-127"/>
+                <a:ea typeface="Malgun Gothic" panose="020B0503020000020004" pitchFamily="34" charset="-127"/>
+              </a:rPr>
+              <a:t> 이름도 바르샤바 쇼팽 국제공항이다</a:t>
+            </a:r>
+            <a:r>
+              <a:rPr lang="en-US" altLang="ko-KR" sz="1800" b="1" u="none" strike="noStrike" dirty="0">
                 <a:effectLst/>
-              </a:rPr>
-              <a:t>, </a:t>
-            </a:r>
-            <a:r>
-              <a:rPr lang="ko-KR" altLang="en-US" sz="1800" dirty="0">
+                <a:latin typeface="Malgun Gothic" panose="020B0503020000020004" pitchFamily="34" charset="-127"/>
+                <a:ea typeface="Malgun Gothic" panose="020B0503020000020004" pitchFamily="34" charset="-127"/>
+              </a:rPr>
+              <a:t>.</a:t>
+            </a:r>
+            <a:br>
+              <a:rPr lang="en-US" altLang="ko-KR" sz="1800" b="1" u="none" strike="noStrike" dirty="0">
                 <a:effectLst/>
-              </a:rPr>
-              <a:t>학습 활동 방법 등을 연구하는 분야</a:t>
-            </a:r>
-            <a:endParaRPr lang="en-US" altLang="ko-KR" sz="1800" dirty="0">
+                <a:latin typeface="Malgun Gothic" panose="020B0503020000020004" pitchFamily="34" charset="-127"/>
+                <a:ea typeface="Malgun Gothic" panose="020B0503020000020004" pitchFamily="34" charset="-127"/>
+              </a:rPr>
+            </a:br>
+            <a:endParaRPr lang="en-US" altLang="ko-KR" sz="1800" b="1" u="none" strike="noStrike" dirty="0">
               <a:effectLst/>
+              <a:latin typeface="Malgun Gothic" panose="020B0503020000020004" pitchFamily="34" charset="-127"/>
+              <a:ea typeface="Malgun Gothic" panose="020B0503020000020004" pitchFamily="34" charset="-127"/>
             </a:endParaRPr>
           </a:p>
           <a:p>
             <a:br>
-              <a:rPr lang="ko-KR" altLang="en-US" sz="1800" dirty="0">
+              <a:rPr lang="en-US" altLang="ko-KR" sz="1800" b="1" u="none" strike="noStrike" dirty="0">
                 <a:effectLst/>
+                <a:latin typeface="Malgun Gothic" panose="020B0503020000020004" pitchFamily="34" charset="-127"/>
+                <a:ea typeface="Malgun Gothic" panose="020B0503020000020004" pitchFamily="34" charset="-127"/>
               </a:rPr>
             </a:br>
             <a:r>
-              <a:rPr lang="en-US" altLang="ko-KR" sz="1800" dirty="0">
-                <a:solidFill>
-                  <a:srgbClr val="993300"/>
-                </a:solidFill>
+              <a:rPr lang="ko-KR" altLang="en-US" sz="1800" b="1" u="none" strike="noStrike" dirty="0">
                 <a:effectLst/>
-              </a:rPr>
-              <a:t>• </a:t>
-            </a:r>
-            <a:r>
-              <a:rPr lang="ko-KR" altLang="en-US" sz="1800" b="1" dirty="0">
-                <a:solidFill>
-                  <a:srgbClr val="FF0000"/>
-                </a:solidFill>
+                <a:latin typeface="Malgun Gothic" panose="020B0503020000020004" pitchFamily="34" charset="-127"/>
+                <a:ea typeface="Malgun Gothic" panose="020B0503020000020004" pitchFamily="34" charset="-127"/>
+              </a:rPr>
+              <a:t>그를 기념하기 위하여 </a:t>
+            </a:r>
+            <a:r>
+              <a:rPr lang="en-US" altLang="ko-KR" sz="1800" b="1" u="none" strike="noStrike" dirty="0">
                 <a:effectLst/>
-              </a:rPr>
-              <a:t>컴퓨터를 통해 지능을 구현하는 </a:t>
-            </a:r>
-            <a:r>
-              <a:rPr lang="ko-KR" altLang="en-US" sz="1800" dirty="0">
+                <a:latin typeface="Malgun Gothic" panose="020B0503020000020004" pitchFamily="34" charset="-127"/>
+                <a:ea typeface="Malgun Gothic" panose="020B0503020000020004" pitchFamily="34" charset="-127"/>
+              </a:rPr>
+              <a:t>1927</a:t>
+            </a:r>
+            <a:r>
+              <a:rPr lang="ko-KR" altLang="en-US" sz="1800" b="1" u="none" strike="noStrike" dirty="0">
                 <a:effectLst/>
-              </a:rPr>
-              <a:t>기계 지능</a:t>
-            </a:r>
-            <a:r>
-              <a:rPr lang="en-US" altLang="ko-KR" sz="1800" dirty="0">
+                <a:latin typeface="Malgun Gothic" panose="020B0503020000020004" pitchFamily="34" charset="-127"/>
+                <a:ea typeface="Malgun Gothic" panose="020B0503020000020004" pitchFamily="34" charset="-127"/>
+              </a:rPr>
+              <a:t>년 만들어진 쇼팽 국제 피아노 콩쿠르도</a:t>
+            </a:r>
+            <a:endParaRPr lang="en-US" altLang="ko-KR" sz="1800" b="1" u="none" strike="noStrike" dirty="0">
+              <a:effectLst/>
+              <a:latin typeface="Malgun Gothic" panose="020B0503020000020004" pitchFamily="34" charset="-127"/>
+              <a:ea typeface="Malgun Gothic" panose="020B0503020000020004" pitchFamily="34" charset="-127"/>
+            </a:endParaRPr>
+          </a:p>
+          <a:p>
+            <a:r>
+              <a:rPr lang="ko-KR" altLang="en-US" sz="1800" b="1" u="none" strike="noStrike" dirty="0">
                 <a:effectLst/>
-              </a:rPr>
-              <a:t>(</a:t>
-            </a:r>
-            <a:r>
-              <a:rPr lang="en" altLang="ko-KR" sz="1800" dirty="0">
+                <a:latin typeface="Malgun Gothic" panose="020B0503020000020004" pitchFamily="34" charset="-127"/>
+                <a:ea typeface="Malgun Gothic" panose="020B0503020000020004" pitchFamily="34" charset="-127"/>
+              </a:rPr>
+              <a:t>폴란드 역대 대통령들의 중요한 공무이자 매년 국가지정 관광시즌으로 지정될 만큼 피아노 분야 최고 위상의 콩쿠르로 명망을 떨친다</a:t>
+            </a:r>
+            <a:r>
+              <a:rPr lang="en-US" altLang="ko-KR" sz="1800" b="1" u="none" strike="noStrike" dirty="0">
                 <a:effectLst/>
-              </a:rPr>
-              <a:t>Machine Intelligence)</a:t>
-            </a:r>
-          </a:p>
-          <a:p>
-            <a:endParaRPr lang="en" altLang="ko-KR" sz="1800" dirty="0">
-              <a:effectLst/>
-            </a:endParaRPr>
-          </a:p>
-          <a:p>
-            <a:r>
-              <a:rPr lang="en" altLang="ko-KR" sz="1800" dirty="0">
-                <a:solidFill>
-                  <a:srgbClr val="993300"/>
-                </a:solidFill>
-                <a:effectLst/>
-              </a:rPr>
-              <a:t>• </a:t>
-            </a:r>
-            <a:r>
-              <a:rPr lang="ko-KR" altLang="en-US" sz="1800" dirty="0">
-                <a:effectLst/>
-              </a:rPr>
-              <a:t>컴퓨터가 </a:t>
-            </a:r>
-            <a:r>
-              <a:rPr lang="ko-KR" altLang="en-US" sz="1800" b="1" dirty="0">
-                <a:solidFill>
-                  <a:srgbClr val="FF0000"/>
-                </a:solidFill>
-                <a:effectLst/>
-              </a:rPr>
-              <a:t>언어를 인식하고</a:t>
-            </a:r>
-            <a:r>
-              <a:rPr lang="en-US" altLang="ko-KR" sz="1800" b="1" dirty="0">
-                <a:solidFill>
-                  <a:srgbClr val="FF0000"/>
-                </a:solidFill>
-                <a:effectLst/>
-              </a:rPr>
-              <a:t>, </a:t>
-            </a:r>
-            <a:r>
-              <a:rPr lang="ko-KR" altLang="en-US" sz="1800" b="1" dirty="0">
-                <a:solidFill>
-                  <a:srgbClr val="FF0000"/>
-                </a:solidFill>
-                <a:effectLst/>
-              </a:rPr>
-              <a:t>스스로 학습하고</a:t>
-            </a:r>
-            <a:r>
-              <a:rPr lang="en-US" altLang="ko-KR" sz="1800" dirty="0">
-                <a:effectLst/>
-              </a:rPr>
-              <a:t>, </a:t>
-            </a:r>
-            <a:r>
-              <a:rPr lang="ko-KR" altLang="en-US" sz="1800" dirty="0">
-                <a:effectLst/>
-              </a:rPr>
-              <a:t>인간의 감정 이해</a:t>
-            </a:r>
-            <a:endParaRPr lang="en-US" altLang="ko-KR" sz="1800" dirty="0">
-              <a:effectLst/>
-            </a:endParaRPr>
-          </a:p>
-          <a:p>
-            <a:br>
-              <a:rPr lang="ko-KR" altLang="en-US" sz="1800" dirty="0">
-                <a:effectLst/>
-              </a:rPr>
-            </a:br>
-            <a:r>
-              <a:rPr lang="en-US" altLang="ko-KR" sz="1800" dirty="0">
-                <a:solidFill>
-                  <a:srgbClr val="993300"/>
-                </a:solidFill>
-                <a:effectLst/>
-              </a:rPr>
-              <a:t>• </a:t>
-            </a:r>
-            <a:r>
-              <a:rPr lang="ko-KR" altLang="en-US" sz="1800" dirty="0">
-                <a:effectLst/>
-              </a:rPr>
-              <a:t>인간과 유사한 지능이 요구되는 기계 장치를 만드는 기술</a:t>
-            </a:r>
-            <a:endParaRPr lang="en-US" altLang="ko-KR" sz="1800" dirty="0">
-              <a:effectLst/>
-            </a:endParaRPr>
-          </a:p>
-          <a:p>
-            <a:br>
-              <a:rPr lang="ko-KR" altLang="en-US" sz="1800" dirty="0">
-                <a:effectLst/>
-              </a:rPr>
-            </a:br>
-            <a:r>
-              <a:rPr lang="en-US" altLang="ko-KR" sz="1800" dirty="0">
-                <a:solidFill>
-                  <a:srgbClr val="993300"/>
-                </a:solidFill>
-                <a:effectLst/>
-              </a:rPr>
-              <a:t>• </a:t>
-            </a:r>
-            <a:r>
-              <a:rPr lang="ko-KR" altLang="en-US" sz="1800" dirty="0">
-                <a:effectLst/>
-              </a:rPr>
-              <a:t>인공지능 영역의 음성인식은 스마트폰에서 음성으로 명령 가능 </a:t>
-            </a:r>
-            <a:endParaRPr lang="ko-KR" altLang="en-US" dirty="0">
-              <a:effectLst/>
-            </a:endParaRPr>
+                <a:latin typeface="Malgun Gothic" panose="020B0503020000020004" pitchFamily="34" charset="-127"/>
+                <a:ea typeface="Malgun Gothic" panose="020B0503020000020004" pitchFamily="34" charset="-127"/>
+              </a:rPr>
+              <a:t>.</a:t>
+            </a:r>
+            <a:endParaRPr kumimoji="1" lang="ko-KR" altLang="en-US" b="1" dirty="0"/>
           </a:p>
         </p:txBody>
       </p:sp>
       <p:pic>
         <p:nvPicPr>
-          <p:cNvPr id="12" name="그림 11">
-            <a:extLst>
-              <a:ext uri="{FF2B5EF4-FFF2-40B4-BE49-F238E27FC236}">
-                <a16:creationId xmlns:a16="http://schemas.microsoft.com/office/drawing/2014/main" id="{40C0D5F3-6C7D-4B5D-8F0D-94CA94740330}"/>
+          <p:cNvPr id="7" name="Picture 2" descr="□ 프레데릭 쇼팽, Frederic Chopin (1810 – 1849) : 네이버 블로그">
+            <a:extLst>
+              <a:ext uri="{FF2B5EF4-FFF2-40B4-BE49-F238E27FC236}">
+                <a16:creationId xmlns:a16="http://schemas.microsoft.com/office/drawing/2014/main" id="{DFA452C3-E79B-A8A3-3786-9E4CB03A22C3}"/>
               </a:ext>
             </a:extLst>
           </p:cNvPr>
           <p:cNvPicPr>
-            <a:picLocks noChangeAspect="1"/>
+            <a:picLocks noChangeAspect="1" noChangeArrowheads="1"/>
           </p:cNvPicPr>
           <p:nvPr/>
         </p:nvPicPr>
         <p:blipFill>
-          <a:blip r:embed="rId4"/>
+          <a:blip r:embed="rId4">
+            <a:extLst>
+              <a:ext uri="{28A0092B-C50C-407E-A947-70E740481C1C}">
+                <a14:useLocalDpi xmlns:a14="http://schemas.microsoft.com/office/drawing/2010/main" val="0"/>
+              </a:ext>
+            </a:extLst>
+          </a:blip>
+          <a:srcRect/>
           <a:stretch>
             <a:fillRect/>
           </a:stretch>
         </p:blipFill>
-        <p:spPr>
+        <p:spPr bwMode="auto">
           <a:xfrm>
-            <a:off x="4054288" y="4554377"/>
-            <a:ext cx="4083422" cy="2087083"/>
+            <a:off x="166249" y="978367"/>
+            <a:ext cx="3963383" cy="5663093"/>
           </a:xfrm>
           <a:prstGeom prst="rect">
             <a:avLst/>
           </a:prstGeom>
+          <a:noFill/>
+          <a:extLst>
+            <a:ext uri="{909E8E84-426E-40DD-AFC4-6F175D3DCCD1}">
+              <a14:hiddenFill xmlns:a14="http://schemas.microsoft.com/office/drawing/2010/main">
+                <a:solidFill>
+                  <a:srgbClr val="FFFFFF"/>
+                </a:solidFill>
+              </a14:hiddenFill>
+            </a:ext>
+          </a:extLst>
         </p:spPr>
       </p:pic>
     </p:spTree>
@@ -4796,7 +4831,7 @@
     <mc:Choice Requires="p14">
       <p:transition/>
     </mc:Choice>
-    <mc:Fallback xmlns:dsp="http://schemas.microsoft.com/office/drawing/2008/diagram" xmlns:dgm="http://schemas.openxmlformats.org/drawingml/2006/diagram" xmlns:c="http://schemas.openxmlformats.org/drawingml/2006/chart" xmlns="">
+    <mc:Fallback xmlns="" xmlns:c="http://schemas.openxmlformats.org/drawingml/2006/chart" xmlns:dgm="http://schemas.openxmlformats.org/drawingml/2006/diagram" xmlns:dsp="http://schemas.microsoft.com/office/drawing/2008/diagram">
       <p:transition/>
     </mc:Fallback>
   </mc:AlternateContent>
@@ -5281,7 +5316,7 @@
     <mc:Choice Requires="p14">
       <p:transition/>
     </mc:Choice>
-    <mc:Fallback xmlns:dsp="http://schemas.microsoft.com/office/drawing/2008/diagram" xmlns:dgm="http://schemas.openxmlformats.org/drawingml/2006/diagram" xmlns:c="http://schemas.openxmlformats.org/drawingml/2006/chart" xmlns="">
+    <mc:Fallback xmlns="" xmlns:c="http://schemas.openxmlformats.org/drawingml/2006/chart" xmlns:dgm="http://schemas.openxmlformats.org/drawingml/2006/diagram" xmlns:dsp="http://schemas.microsoft.com/office/drawing/2008/diagram">
       <p:transition/>
     </mc:Fallback>
   </mc:AlternateContent>
@@ -5661,7 +5696,7 @@
     <mc:Choice Requires="p14">
       <p:transition/>
     </mc:Choice>
-    <mc:Fallback xmlns:dsp="http://schemas.microsoft.com/office/drawing/2008/diagram" xmlns:dgm="http://schemas.openxmlformats.org/drawingml/2006/diagram" xmlns:c="http://schemas.openxmlformats.org/drawingml/2006/chart" xmlns="">
+    <mc:Fallback xmlns="" xmlns:c="http://schemas.openxmlformats.org/drawingml/2006/chart" xmlns:dgm="http://schemas.openxmlformats.org/drawingml/2006/diagram" xmlns:dsp="http://schemas.microsoft.com/office/drawing/2008/diagram">
       <p:transition/>
     </mc:Fallback>
   </mc:AlternateContent>
